--- a/Presentations/01-JavaAndOutLines.pptx
+++ b/Presentations/01-JavaAndOutLines.pptx
@@ -6081,7 +6081,7 @@
         <p:spPr/>
         <p:txBody>
           <a:bodyPr>
-            <a:normAutofit lnSpcReduction="10000"/>
+            <a:normAutofit/>
           </a:bodyPr>
           <a:lstStyle/>
           <a:p>
@@ -6101,11 +6101,7 @@
             </a:pPr>
             <a:r>
               <a:rPr lang="en-US" dirty="0" smtClean="0"/>
-              <a:t>Data </a:t>
-            </a:r>
-            <a:r>
-              <a:rPr lang="en-US" dirty="0" smtClean="0"/>
-              <a:t>Types:</a:t>
+              <a:t>Data Types:</a:t>
             </a:r>
           </a:p>
           <a:p>
@@ -6165,31 +6161,13 @@
             </a:pPr>
             <a:r>
               <a:rPr lang="en-US" dirty="0" smtClean="0"/>
-              <a:t>Functions:</a:t>
-            </a:r>
-          </a:p>
-          <a:p>
-            <a:pPr>
-              <a:buFont typeface="Wingdings" panose="05000000000000000000" pitchFamily="2" charset="2"/>
-              <a:buChar char="Ø"/>
-            </a:pPr>
-            <a:r>
-              <a:rPr lang="en-US" dirty="0"/>
-              <a:t>Modifiers</a:t>
-            </a:r>
-          </a:p>
-          <a:p>
-            <a:pPr lvl="1">
-              <a:buFont typeface="Wingdings" panose="05000000000000000000" pitchFamily="2" charset="2"/>
-              <a:buChar char="Ø"/>
-            </a:pPr>
-            <a:r>
-              <a:rPr lang="en-US" dirty="0"/>
-              <a:t>default, public , protected, private</a:t>
-            </a:r>
-          </a:p>
-          <a:p>
-            <a:endParaRPr lang="en-US" dirty="0"/>
+              <a:t>Functions</a:t>
+            </a:r>
+            <a:r>
+              <a:rPr lang="en-US" dirty="0" smtClean="0"/>
+              <a:t>:</a:t>
+            </a:r>
+            <a:endParaRPr lang="en-US" dirty="0" smtClean="0"/>
           </a:p>
         </p:txBody>
       </p:sp>
@@ -6415,14 +6393,21 @@
             <p:ph idx="1"/>
           </p:nvPr>
         </p:nvSpPr>
-        <p:spPr/>
-        <p:txBody>
-          <a:bodyPr/>
+        <p:spPr>
+          <a:xfrm>
+            <a:off x="677334" y="2160589"/>
+            <a:ext cx="8596668" cy="4392611"/>
+          </a:xfrm>
+        </p:spPr>
+        <p:txBody>
+          <a:bodyPr>
+            <a:normAutofit/>
+          </a:bodyPr>
           <a:lstStyle/>
           <a:p>
             <a:pPr>
               <a:lnSpc>
-                <a:spcPct val="200000"/>
+                <a:spcPct val="150000"/>
               </a:lnSpc>
               <a:buFont typeface="Wingdings" panose="05000000000000000000" pitchFamily="2" charset="2"/>
               <a:buChar char="Ø"/>
@@ -6435,7 +6420,7 @@
           <a:p>
             <a:pPr>
               <a:lnSpc>
-                <a:spcPct val="200000"/>
+                <a:spcPct val="150000"/>
               </a:lnSpc>
               <a:buFont typeface="Wingdings" panose="05000000000000000000" pitchFamily="2" charset="2"/>
               <a:buChar char="Ø"/>
@@ -6448,7 +6433,7 @@
           <a:p>
             <a:pPr>
               <a:lnSpc>
-                <a:spcPct val="200000"/>
+                <a:spcPct val="150000"/>
               </a:lnSpc>
               <a:buFont typeface="Wingdings" panose="05000000000000000000" pitchFamily="2" charset="2"/>
               <a:buChar char="Ø"/>
@@ -6461,7 +6446,7 @@
           <a:p>
             <a:pPr>
               <a:lnSpc>
-                <a:spcPct val="200000"/>
+                <a:spcPct val="150000"/>
               </a:lnSpc>
               <a:buFont typeface="Wingdings" panose="05000000000000000000" pitchFamily="2" charset="2"/>
               <a:buChar char="Ø"/>
@@ -6474,7 +6459,7 @@
           <a:p>
             <a:pPr>
               <a:lnSpc>
-                <a:spcPct val="200000"/>
+                <a:spcPct val="150000"/>
               </a:lnSpc>
               <a:buFont typeface="Wingdings" panose="05000000000000000000" pitchFamily="2" charset="2"/>
               <a:buChar char="Ø"/>
@@ -6483,6 +6468,7 @@
               <a:rPr lang="en-US" dirty="0" smtClean="0"/>
               <a:t> encapsulation </a:t>
             </a:r>
+            <a:endParaRPr lang="en-US" dirty="0" smtClean="0"/>
           </a:p>
           <a:p>
             <a:pPr marL="0" indent="0">
@@ -6669,10 +6655,15 @@
             <p:ph idx="1"/>
           </p:nvPr>
         </p:nvSpPr>
-        <p:spPr/>
+        <p:spPr>
+          <a:xfrm>
+            <a:off x="677334" y="2160589"/>
+            <a:ext cx="8596668" cy="4531156"/>
+          </a:xfrm>
+        </p:spPr>
         <p:txBody>
           <a:bodyPr>
-            <a:normAutofit fontScale="92500" lnSpcReduction="10000"/>
+            <a:normAutofit fontScale="92500" lnSpcReduction="20000"/>
           </a:bodyPr>
           <a:lstStyle/>
           <a:p>
@@ -6736,10 +6727,9 @@
               <a:buChar char="Ø"/>
             </a:pPr>
             <a:r>
-              <a:rPr lang="en-US" smtClean="0"/>
+              <a:rPr lang="en-US" dirty="0" smtClean="0"/>
               <a:t>Abstraction</a:t>
             </a:r>
-            <a:endParaRPr lang="en-US" dirty="0" smtClean="0"/>
           </a:p>
           <a:p>
             <a:pPr>
@@ -6767,6 +6757,41 @@
               <a:rPr lang="en-US" dirty="0" smtClean="0"/>
               <a:t>Interfaces</a:t>
             </a:r>
+          </a:p>
+          <a:p>
+            <a:pPr>
+              <a:lnSpc>
+                <a:spcPct val="150000"/>
+              </a:lnSpc>
+              <a:buFont typeface="Wingdings" panose="05000000000000000000" pitchFamily="2" charset="2"/>
+              <a:buChar char="Ø"/>
+            </a:pPr>
+            <a:r>
+              <a:rPr lang="en-US" dirty="0"/>
+              <a:t>Modifiers</a:t>
+            </a:r>
+          </a:p>
+          <a:p>
+            <a:pPr lvl="1">
+              <a:lnSpc>
+                <a:spcPct val="150000"/>
+              </a:lnSpc>
+              <a:buFont typeface="Wingdings" panose="05000000000000000000" pitchFamily="2" charset="2"/>
+              <a:buChar char="Ø"/>
+            </a:pPr>
+            <a:r>
+              <a:rPr lang="en-US" dirty="0"/>
+              <a:t>default, public , protected, private</a:t>
+            </a:r>
+          </a:p>
+          <a:p>
+            <a:pPr>
+              <a:lnSpc>
+                <a:spcPct val="170000"/>
+              </a:lnSpc>
+              <a:buFont typeface="Wingdings" panose="05000000000000000000" pitchFamily="2" charset="2"/>
+              <a:buChar char="Ø"/>
+            </a:pPr>
             <a:endParaRPr lang="en-US" dirty="0"/>
           </a:p>
           <a:p>
